--- a/UrbanRace/u2_caesar_steg/u2.pptx
+++ b/UrbanRace/u2_caesar_steg/u2.pptx
@@ -7,6 +7,7 @@
   <p:sldIdLst>
     <p:sldId id="257" r:id="rId2"/>
     <p:sldId id="258" r:id="rId3"/>
+    <p:sldId id="259" r:id="rId4"/>
   </p:sldIdLst>
   <p:sldSz cx="9144000" cy="6858000" type="screen4x3"/>
   <p:notesSz cx="6858000" cy="9144000"/>
@@ -105,6 +106,22 @@
       </a:defRPr>
     </a:lvl9pPr>
   </p:defaultTextStyle>
+  <p:extLst>
+    <p:ext uri="{EFAFB233-063F-42B5-8137-9DF3F51BA10A}">
+      <p15:sldGuideLst xmlns:p15="http://schemas.microsoft.com/office/powerpoint/2012/main">
+        <p15:guide id="1" orient="horz" pos="2160">
+          <p15:clr>
+            <a:srgbClr val="A4A3A4"/>
+          </p15:clr>
+        </p15:guide>
+        <p15:guide id="2" pos="2880">
+          <p15:clr>
+            <a:srgbClr val="A4A3A4"/>
+          </p15:clr>
+        </p15:guide>
+      </p15:sldGuideLst>
+    </p:ext>
+  </p:extLst>
 </p:presentation>
 </file>
 
@@ -146,10 +163,9 @@
           <a:lstStyle/>
           <a:p>
             <a:r>
-              <a:rPr lang="en-US" smtClean="0"/>
+              <a:rPr lang="en-US"/>
               <a:t>Click to edit Master title style</a:t>
             </a:r>
-            <a:endParaRPr lang="en-US"/>
           </a:p>
         </p:txBody>
       </p:sp>
@@ -265,10 +281,9 @@
           </a:lstStyle>
           <a:p>
             <a:r>
-              <a:rPr lang="en-US" smtClean="0"/>
+              <a:rPr lang="en-US"/>
               <a:t>Click to edit Master subtitle style</a:t>
             </a:r>
-            <a:endParaRPr lang="en-US"/>
           </a:p>
         </p:txBody>
       </p:sp>
@@ -290,7 +305,7 @@
             <a:fld id="{B9D79DFA-3AED-4B58-84D1-FF1D0DEED150}" type="datetimeFigureOut">
               <a:rPr lang="en-US" smtClean="0"/>
               <a:pPr/>
-              <a:t>7/6/2016</a:t>
+              <a:t>7/24/2024</a:t>
             </a:fld>
             <a:endParaRPr lang="en-US" dirty="0"/>
           </a:p>
@@ -380,10 +395,9 @@
           <a:lstStyle/>
           <a:p>
             <a:r>
-              <a:rPr lang="en-US" smtClean="0"/>
+              <a:rPr lang="en-US"/>
               <a:t>Click to edit Master title style</a:t>
             </a:r>
-            <a:endParaRPr lang="en-US"/>
           </a:p>
         </p:txBody>
       </p:sp>
@@ -404,38 +418,37 @@
           <a:p>
             <a:pPr lvl="0"/>
             <a:r>
-              <a:rPr lang="en-US" smtClean="0"/>
+              <a:rPr lang="en-US"/>
               <a:t>Click to edit Master text styles</a:t>
             </a:r>
           </a:p>
           <a:p>
             <a:pPr lvl="1"/>
             <a:r>
-              <a:rPr lang="en-US" smtClean="0"/>
+              <a:rPr lang="en-US"/>
               <a:t>Second level</a:t>
             </a:r>
           </a:p>
           <a:p>
             <a:pPr lvl="2"/>
             <a:r>
-              <a:rPr lang="en-US" smtClean="0"/>
+              <a:rPr lang="en-US"/>
               <a:t>Third level</a:t>
             </a:r>
           </a:p>
           <a:p>
             <a:pPr lvl="3"/>
             <a:r>
-              <a:rPr lang="en-US" smtClean="0"/>
+              <a:rPr lang="en-US"/>
               <a:t>Fourth level</a:t>
             </a:r>
           </a:p>
           <a:p>
             <a:pPr lvl="4"/>
             <a:r>
-              <a:rPr lang="en-US" smtClean="0"/>
+              <a:rPr lang="en-US"/>
               <a:t>Fifth level</a:t>
             </a:r>
-            <a:endParaRPr lang="en-US"/>
           </a:p>
         </p:txBody>
       </p:sp>
@@ -457,7 +470,7 @@
             <a:fld id="{B9D79DFA-3AED-4B58-84D1-FF1D0DEED150}" type="datetimeFigureOut">
               <a:rPr lang="en-US" smtClean="0"/>
               <a:pPr/>
-              <a:t>7/6/2016</a:t>
+              <a:t>7/24/2024</a:t>
             </a:fld>
             <a:endParaRPr lang="en-US" dirty="0"/>
           </a:p>
@@ -552,10 +565,9 @@
           <a:lstStyle/>
           <a:p>
             <a:r>
-              <a:rPr lang="en-US" smtClean="0"/>
+              <a:rPr lang="en-US"/>
               <a:t>Click to edit Master title style</a:t>
             </a:r>
-            <a:endParaRPr lang="en-US"/>
           </a:p>
         </p:txBody>
       </p:sp>
@@ -581,38 +593,37 @@
           <a:p>
             <a:pPr lvl="0"/>
             <a:r>
-              <a:rPr lang="en-US" smtClean="0"/>
+              <a:rPr lang="en-US"/>
               <a:t>Click to edit Master text styles</a:t>
             </a:r>
           </a:p>
           <a:p>
             <a:pPr lvl="1"/>
             <a:r>
-              <a:rPr lang="en-US" smtClean="0"/>
+              <a:rPr lang="en-US"/>
               <a:t>Second level</a:t>
             </a:r>
           </a:p>
           <a:p>
             <a:pPr lvl="2"/>
             <a:r>
-              <a:rPr lang="en-US" smtClean="0"/>
+              <a:rPr lang="en-US"/>
               <a:t>Third level</a:t>
             </a:r>
           </a:p>
           <a:p>
             <a:pPr lvl="3"/>
             <a:r>
-              <a:rPr lang="en-US" smtClean="0"/>
+              <a:rPr lang="en-US"/>
               <a:t>Fourth level</a:t>
             </a:r>
           </a:p>
           <a:p>
             <a:pPr lvl="4"/>
             <a:r>
-              <a:rPr lang="en-US" smtClean="0"/>
+              <a:rPr lang="en-US"/>
               <a:t>Fifth level</a:t>
             </a:r>
-            <a:endParaRPr lang="en-US"/>
           </a:p>
         </p:txBody>
       </p:sp>
@@ -634,7 +645,7 @@
             <a:fld id="{B9D79DFA-3AED-4B58-84D1-FF1D0DEED150}" type="datetimeFigureOut">
               <a:rPr lang="en-US" smtClean="0"/>
               <a:pPr/>
-              <a:t>7/6/2016</a:t>
+              <a:t>7/24/2024</a:t>
             </a:fld>
             <a:endParaRPr lang="en-US" dirty="0"/>
           </a:p>
@@ -724,10 +735,9 @@
           <a:lstStyle/>
           <a:p>
             <a:r>
-              <a:rPr lang="en-US" smtClean="0"/>
+              <a:rPr lang="en-US"/>
               <a:t>Click to edit Master title style</a:t>
             </a:r>
-            <a:endParaRPr lang="en-US"/>
           </a:p>
         </p:txBody>
       </p:sp>
@@ -748,38 +758,37 @@
           <a:p>
             <a:pPr lvl="0"/>
             <a:r>
-              <a:rPr lang="en-US" smtClean="0"/>
+              <a:rPr lang="en-US"/>
               <a:t>Click to edit Master text styles</a:t>
             </a:r>
           </a:p>
           <a:p>
             <a:pPr lvl="1"/>
             <a:r>
-              <a:rPr lang="en-US" smtClean="0"/>
+              <a:rPr lang="en-US"/>
               <a:t>Second level</a:t>
             </a:r>
           </a:p>
           <a:p>
             <a:pPr lvl="2"/>
             <a:r>
-              <a:rPr lang="en-US" smtClean="0"/>
+              <a:rPr lang="en-US"/>
               <a:t>Third level</a:t>
             </a:r>
           </a:p>
           <a:p>
             <a:pPr lvl="3"/>
             <a:r>
-              <a:rPr lang="en-US" smtClean="0"/>
+              <a:rPr lang="en-US"/>
               <a:t>Fourth level</a:t>
             </a:r>
           </a:p>
           <a:p>
             <a:pPr lvl="4"/>
             <a:r>
-              <a:rPr lang="en-US" smtClean="0"/>
+              <a:rPr lang="en-US"/>
               <a:t>Fifth level</a:t>
             </a:r>
-            <a:endParaRPr lang="en-US"/>
           </a:p>
         </p:txBody>
       </p:sp>
@@ -801,7 +810,7 @@
             <a:fld id="{B9D79DFA-3AED-4B58-84D1-FF1D0DEED150}" type="datetimeFigureOut">
               <a:rPr lang="en-US" smtClean="0"/>
               <a:pPr/>
-              <a:t>7/6/2016</a:t>
+              <a:t>7/24/2024</a:t>
             </a:fld>
             <a:endParaRPr lang="en-US" dirty="0"/>
           </a:p>
@@ -900,10 +909,9 @@
           </a:lstStyle>
           <a:p>
             <a:r>
-              <a:rPr lang="en-US" smtClean="0"/>
+              <a:rPr lang="en-US"/>
               <a:t>Click to edit Master title style</a:t>
             </a:r>
-            <a:endParaRPr lang="en-US"/>
           </a:p>
         </p:txBody>
       </p:sp>
@@ -1020,7 +1028,7 @@
           <a:p>
             <a:pPr lvl="0"/>
             <a:r>
-              <a:rPr lang="en-US" smtClean="0"/>
+              <a:rPr lang="en-US"/>
               <a:t>Click to edit Master text styles</a:t>
             </a:r>
           </a:p>
@@ -1044,7 +1052,7 @@
             <a:fld id="{B9D79DFA-3AED-4B58-84D1-FF1D0DEED150}" type="datetimeFigureOut">
               <a:rPr lang="en-US" smtClean="0"/>
               <a:pPr/>
-              <a:t>7/6/2016</a:t>
+              <a:t>7/24/2024</a:t>
             </a:fld>
             <a:endParaRPr lang="en-US" dirty="0"/>
           </a:p>
@@ -1134,10 +1142,9 @@
           <a:lstStyle/>
           <a:p>
             <a:r>
-              <a:rPr lang="en-US" smtClean="0"/>
+              <a:rPr lang="en-US"/>
               <a:t>Click to edit Master title style</a:t>
             </a:r>
-            <a:endParaRPr lang="en-US"/>
           </a:p>
         </p:txBody>
       </p:sp>
@@ -1191,38 +1198,37 @@
           <a:p>
             <a:pPr lvl="0"/>
             <a:r>
-              <a:rPr lang="en-US" smtClean="0"/>
+              <a:rPr lang="en-US"/>
               <a:t>Click to edit Master text styles</a:t>
             </a:r>
           </a:p>
           <a:p>
             <a:pPr lvl="1"/>
             <a:r>
-              <a:rPr lang="en-US" smtClean="0"/>
+              <a:rPr lang="en-US"/>
               <a:t>Second level</a:t>
             </a:r>
           </a:p>
           <a:p>
             <a:pPr lvl="2"/>
             <a:r>
-              <a:rPr lang="en-US" smtClean="0"/>
+              <a:rPr lang="en-US"/>
               <a:t>Third level</a:t>
             </a:r>
           </a:p>
           <a:p>
             <a:pPr lvl="3"/>
             <a:r>
-              <a:rPr lang="en-US" smtClean="0"/>
+              <a:rPr lang="en-US"/>
               <a:t>Fourth level</a:t>
             </a:r>
           </a:p>
           <a:p>
             <a:pPr lvl="4"/>
             <a:r>
-              <a:rPr lang="en-US" smtClean="0"/>
+              <a:rPr lang="en-US"/>
               <a:t>Fifth level</a:t>
             </a:r>
-            <a:endParaRPr lang="en-US"/>
           </a:p>
         </p:txBody>
       </p:sp>
@@ -1276,38 +1282,37 @@
           <a:p>
             <a:pPr lvl="0"/>
             <a:r>
-              <a:rPr lang="en-US" smtClean="0"/>
+              <a:rPr lang="en-US"/>
               <a:t>Click to edit Master text styles</a:t>
             </a:r>
           </a:p>
           <a:p>
             <a:pPr lvl="1"/>
             <a:r>
-              <a:rPr lang="en-US" smtClean="0"/>
+              <a:rPr lang="en-US"/>
               <a:t>Second level</a:t>
             </a:r>
           </a:p>
           <a:p>
             <a:pPr lvl="2"/>
             <a:r>
-              <a:rPr lang="en-US" smtClean="0"/>
+              <a:rPr lang="en-US"/>
               <a:t>Third level</a:t>
             </a:r>
           </a:p>
           <a:p>
             <a:pPr lvl="3"/>
             <a:r>
-              <a:rPr lang="en-US" smtClean="0"/>
+              <a:rPr lang="en-US"/>
               <a:t>Fourth level</a:t>
             </a:r>
           </a:p>
           <a:p>
             <a:pPr lvl="4"/>
             <a:r>
-              <a:rPr lang="en-US" smtClean="0"/>
+              <a:rPr lang="en-US"/>
               <a:t>Fifth level</a:t>
             </a:r>
-            <a:endParaRPr lang="en-US"/>
           </a:p>
         </p:txBody>
       </p:sp>
@@ -1329,7 +1334,7 @@
             <a:fld id="{B9D79DFA-3AED-4B58-84D1-FF1D0DEED150}" type="datetimeFigureOut">
               <a:rPr lang="en-US" smtClean="0"/>
               <a:pPr/>
-              <a:t>7/6/2016</a:t>
+              <a:t>7/24/2024</a:t>
             </a:fld>
             <a:endParaRPr lang="en-US" dirty="0"/>
           </a:p>
@@ -1423,10 +1428,9 @@
           </a:lstStyle>
           <a:p>
             <a:r>
-              <a:rPr lang="en-US" smtClean="0"/>
+              <a:rPr lang="en-US"/>
               <a:t>Click to edit Master title style</a:t>
             </a:r>
-            <a:endParaRPr lang="en-US"/>
           </a:p>
         </p:txBody>
       </p:sp>
@@ -1489,7 +1493,7 @@
           <a:p>
             <a:pPr lvl="0"/>
             <a:r>
-              <a:rPr lang="en-US" smtClean="0"/>
+              <a:rPr lang="en-US"/>
               <a:t>Click to edit Master text styles</a:t>
             </a:r>
           </a:p>
@@ -1545,38 +1549,37 @@
           <a:p>
             <a:pPr lvl="0"/>
             <a:r>
-              <a:rPr lang="en-US" smtClean="0"/>
+              <a:rPr lang="en-US"/>
               <a:t>Click to edit Master text styles</a:t>
             </a:r>
           </a:p>
           <a:p>
             <a:pPr lvl="1"/>
             <a:r>
-              <a:rPr lang="en-US" smtClean="0"/>
+              <a:rPr lang="en-US"/>
               <a:t>Second level</a:t>
             </a:r>
           </a:p>
           <a:p>
             <a:pPr lvl="2"/>
             <a:r>
-              <a:rPr lang="en-US" smtClean="0"/>
+              <a:rPr lang="en-US"/>
               <a:t>Third level</a:t>
             </a:r>
           </a:p>
           <a:p>
             <a:pPr lvl="3"/>
             <a:r>
-              <a:rPr lang="en-US" smtClean="0"/>
+              <a:rPr lang="en-US"/>
               <a:t>Fourth level</a:t>
             </a:r>
           </a:p>
           <a:p>
             <a:pPr lvl="4"/>
             <a:r>
-              <a:rPr lang="en-US" smtClean="0"/>
+              <a:rPr lang="en-US"/>
               <a:t>Fifth level</a:t>
             </a:r>
-            <a:endParaRPr lang="en-US"/>
           </a:p>
         </p:txBody>
       </p:sp>
@@ -1639,7 +1642,7 @@
           <a:p>
             <a:pPr lvl="0"/>
             <a:r>
-              <a:rPr lang="en-US" smtClean="0"/>
+              <a:rPr lang="en-US"/>
               <a:t>Click to edit Master text styles</a:t>
             </a:r>
           </a:p>
@@ -1695,38 +1698,37 @@
           <a:p>
             <a:pPr lvl="0"/>
             <a:r>
-              <a:rPr lang="en-US" smtClean="0"/>
+              <a:rPr lang="en-US"/>
               <a:t>Click to edit Master text styles</a:t>
             </a:r>
           </a:p>
           <a:p>
             <a:pPr lvl="1"/>
             <a:r>
-              <a:rPr lang="en-US" smtClean="0"/>
+              <a:rPr lang="en-US"/>
               <a:t>Second level</a:t>
             </a:r>
           </a:p>
           <a:p>
             <a:pPr lvl="2"/>
             <a:r>
-              <a:rPr lang="en-US" smtClean="0"/>
+              <a:rPr lang="en-US"/>
               <a:t>Third level</a:t>
             </a:r>
           </a:p>
           <a:p>
             <a:pPr lvl="3"/>
             <a:r>
-              <a:rPr lang="en-US" smtClean="0"/>
+              <a:rPr lang="en-US"/>
               <a:t>Fourth level</a:t>
             </a:r>
           </a:p>
           <a:p>
             <a:pPr lvl="4"/>
             <a:r>
-              <a:rPr lang="en-US" smtClean="0"/>
+              <a:rPr lang="en-US"/>
               <a:t>Fifth level</a:t>
             </a:r>
-            <a:endParaRPr lang="en-US"/>
           </a:p>
         </p:txBody>
       </p:sp>
@@ -1748,7 +1750,7 @@
             <a:fld id="{B9D79DFA-3AED-4B58-84D1-FF1D0DEED150}" type="datetimeFigureOut">
               <a:rPr lang="en-US" smtClean="0"/>
               <a:pPr/>
-              <a:t>7/6/2016</a:t>
+              <a:t>7/24/2024</a:t>
             </a:fld>
             <a:endParaRPr lang="en-US" dirty="0"/>
           </a:p>
@@ -1838,10 +1840,9 @@
           <a:lstStyle/>
           <a:p>
             <a:r>
-              <a:rPr lang="en-US" smtClean="0"/>
+              <a:rPr lang="en-US"/>
               <a:t>Click to edit Master title style</a:t>
             </a:r>
-            <a:endParaRPr lang="en-US"/>
           </a:p>
         </p:txBody>
       </p:sp>
@@ -1863,7 +1864,7 @@
             <a:fld id="{B9D79DFA-3AED-4B58-84D1-FF1D0DEED150}" type="datetimeFigureOut">
               <a:rPr lang="en-US" smtClean="0"/>
               <a:pPr/>
-              <a:t>7/6/2016</a:t>
+              <a:t>7/24/2024</a:t>
             </a:fld>
             <a:endParaRPr lang="en-US" dirty="0"/>
           </a:p>
@@ -1955,7 +1956,7 @@
             <a:fld id="{B9D79DFA-3AED-4B58-84D1-FF1D0DEED150}" type="datetimeFigureOut">
               <a:rPr lang="en-US" smtClean="0"/>
               <a:pPr/>
-              <a:t>7/6/2016</a:t>
+              <a:t>7/24/2024</a:t>
             </a:fld>
             <a:endParaRPr lang="en-US" dirty="0"/>
           </a:p>
@@ -2054,10 +2055,9 @@
           </a:lstStyle>
           <a:p>
             <a:r>
-              <a:rPr lang="en-US" smtClean="0"/>
+              <a:rPr lang="en-US"/>
               <a:t>Click to edit Master title style</a:t>
             </a:r>
-            <a:endParaRPr lang="en-US"/>
           </a:p>
         </p:txBody>
       </p:sp>
@@ -2111,38 +2111,37 @@
           <a:p>
             <a:pPr lvl="0"/>
             <a:r>
-              <a:rPr lang="en-US" smtClean="0"/>
+              <a:rPr lang="en-US"/>
               <a:t>Click to edit Master text styles</a:t>
             </a:r>
           </a:p>
           <a:p>
             <a:pPr lvl="1"/>
             <a:r>
-              <a:rPr lang="en-US" smtClean="0"/>
+              <a:rPr lang="en-US"/>
               <a:t>Second level</a:t>
             </a:r>
           </a:p>
           <a:p>
             <a:pPr lvl="2"/>
             <a:r>
-              <a:rPr lang="en-US" smtClean="0"/>
+              <a:rPr lang="en-US"/>
               <a:t>Third level</a:t>
             </a:r>
           </a:p>
           <a:p>
             <a:pPr lvl="3"/>
             <a:r>
-              <a:rPr lang="en-US" smtClean="0"/>
+              <a:rPr lang="en-US"/>
               <a:t>Fourth level</a:t>
             </a:r>
           </a:p>
           <a:p>
             <a:pPr lvl="4"/>
             <a:r>
-              <a:rPr lang="en-US" smtClean="0"/>
+              <a:rPr lang="en-US"/>
               <a:t>Fifth level</a:t>
             </a:r>
-            <a:endParaRPr lang="en-US"/>
           </a:p>
         </p:txBody>
       </p:sp>
@@ -2205,7 +2204,7 @@
           <a:p>
             <a:pPr lvl="0"/>
             <a:r>
-              <a:rPr lang="en-US" smtClean="0"/>
+              <a:rPr lang="en-US"/>
               <a:t>Click to edit Master text styles</a:t>
             </a:r>
           </a:p>
@@ -2229,7 +2228,7 @@
             <a:fld id="{B9D79DFA-3AED-4B58-84D1-FF1D0DEED150}" type="datetimeFigureOut">
               <a:rPr lang="en-US" smtClean="0"/>
               <a:pPr/>
-              <a:t>7/6/2016</a:t>
+              <a:t>7/24/2024</a:t>
             </a:fld>
             <a:endParaRPr lang="en-US" dirty="0"/>
           </a:p>
@@ -2328,10 +2327,9 @@
           </a:lstStyle>
           <a:p>
             <a:r>
-              <a:rPr lang="en-US" smtClean="0"/>
+              <a:rPr lang="en-US"/>
               <a:t>Click to edit Master title style</a:t>
             </a:r>
-            <a:endParaRPr lang="en-US"/>
           </a:p>
         </p:txBody>
       </p:sp>
@@ -2455,7 +2453,7 @@
           <a:p>
             <a:pPr lvl="0"/>
             <a:r>
-              <a:rPr lang="en-US" smtClean="0"/>
+              <a:rPr lang="en-US"/>
               <a:t>Click to edit Master text styles</a:t>
             </a:r>
           </a:p>
@@ -2479,7 +2477,7 @@
             <a:fld id="{B9D79DFA-3AED-4B58-84D1-FF1D0DEED150}" type="datetimeFigureOut">
               <a:rPr lang="en-US" smtClean="0"/>
               <a:pPr/>
-              <a:t>7/6/2016</a:t>
+              <a:t>7/24/2024</a:t>
             </a:fld>
             <a:endParaRPr lang="en-US" dirty="0"/>
           </a:p>
@@ -2584,10 +2582,9 @@
           <a:lstStyle/>
           <a:p>
             <a:r>
-              <a:rPr lang="en-US" smtClean="0"/>
+              <a:rPr lang="en-US"/>
               <a:t>Click to edit Master title style</a:t>
             </a:r>
-            <a:endParaRPr lang="en-US"/>
           </a:p>
         </p:txBody>
       </p:sp>
@@ -2618,38 +2615,37 @@
           <a:p>
             <a:pPr lvl="0"/>
             <a:r>
-              <a:rPr lang="en-US" smtClean="0"/>
+              <a:rPr lang="en-US"/>
               <a:t>Click to edit Master text styles</a:t>
             </a:r>
           </a:p>
           <a:p>
             <a:pPr lvl="1"/>
             <a:r>
-              <a:rPr lang="en-US" smtClean="0"/>
+              <a:rPr lang="en-US"/>
               <a:t>Second level</a:t>
             </a:r>
           </a:p>
           <a:p>
             <a:pPr lvl="2"/>
             <a:r>
-              <a:rPr lang="en-US" smtClean="0"/>
+              <a:rPr lang="en-US"/>
               <a:t>Third level</a:t>
             </a:r>
           </a:p>
           <a:p>
             <a:pPr lvl="3"/>
             <a:r>
-              <a:rPr lang="en-US" smtClean="0"/>
+              <a:rPr lang="en-US"/>
               <a:t>Fourth level</a:t>
             </a:r>
           </a:p>
           <a:p>
             <a:pPr lvl="4"/>
             <a:r>
-              <a:rPr lang="en-US" smtClean="0"/>
+              <a:rPr lang="en-US"/>
               <a:t>Fifth level</a:t>
             </a:r>
-            <a:endParaRPr lang="en-US"/>
           </a:p>
         </p:txBody>
       </p:sp>
@@ -2689,7 +2685,7 @@
             <a:fld id="{B9D79DFA-3AED-4B58-84D1-FF1D0DEED150}" type="datetimeFigureOut">
               <a:rPr lang="en-US" smtClean="0"/>
               <a:pPr/>
-              <a:t>7/6/2016</a:t>
+              <a:t>7/24/2024</a:t>
             </a:fld>
             <a:endParaRPr lang="en-US" dirty="0"/>
           </a:p>
@@ -3083,13 +3079,13 @@
           <a:lstStyle/>
           <a:p>
             <a:r>
-              <a:rPr lang="en-US" sz="3200" dirty="0" err="1" smtClean="0">
+              <a:rPr lang="en-US" sz="3200" dirty="0" err="1">
                 <a:latin typeface="Wingdings" pitchFamily="2" charset="2"/>
               </a:rPr>
               <a:t>AJNRSTUWXYZzxvuplih</a:t>
             </a:r>
             <a:r>
-              <a:rPr lang="en-US" sz="3200" dirty="0" smtClean="0">
+              <a:rPr lang="en-US" sz="3200" dirty="0">
                 <a:latin typeface="Wingdings" pitchFamily="2" charset="2"/>
               </a:rPr>
               <a:t>&gt;d368)[</a:t>
@@ -3120,42 +3116,42 @@
           <a:lstStyle/>
           <a:p>
             <a:r>
-              <a:rPr lang="en-US" sz="2000" dirty="0" smtClean="0">
+              <a:rPr lang="en-US" sz="2000" dirty="0">
                 <a:latin typeface="Andalus" pitchFamily="18" charset="-78"/>
                 <a:cs typeface="Andalus" pitchFamily="18" charset="-78"/>
               </a:rPr>
               <a:t>A  J   N   R   S   T  U  W  X  Y   Z    </a:t>
             </a:r>
             <a:r>
-              <a:rPr lang="en-US" sz="2000" dirty="0" err="1" smtClean="0">
+              <a:rPr lang="en-US" sz="2000" dirty="0" err="1">
                 <a:latin typeface="Andalus" pitchFamily="18" charset="-78"/>
                 <a:cs typeface="Andalus" pitchFamily="18" charset="-78"/>
               </a:rPr>
               <a:t>z</a:t>
             </a:r>
             <a:r>
-              <a:rPr lang="en-US" sz="2000" dirty="0" smtClean="0">
+              <a:rPr lang="en-US" sz="2000" dirty="0">
                 <a:latin typeface="Andalus" pitchFamily="18" charset="-78"/>
                 <a:cs typeface="Andalus" pitchFamily="18" charset="-78"/>
               </a:rPr>
               <a:t>    x    v    u    p    l    </a:t>
             </a:r>
             <a:r>
-              <a:rPr lang="en-US" sz="2000" dirty="0" err="1" smtClean="0">
+              <a:rPr lang="en-US" sz="2000" dirty="0" err="1">
                 <a:latin typeface="Andalus" pitchFamily="18" charset="-78"/>
                 <a:cs typeface="Andalus" pitchFamily="18" charset="-78"/>
               </a:rPr>
               <a:t>i</a:t>
             </a:r>
             <a:r>
-              <a:rPr lang="en-US" sz="2000" dirty="0" smtClean="0">
+              <a:rPr lang="en-US" sz="2000" dirty="0">
                 <a:latin typeface="Andalus" pitchFamily="18" charset="-78"/>
                 <a:cs typeface="Andalus" pitchFamily="18" charset="-78"/>
               </a:rPr>
               <a:t>    h    &gt;   d   3   6   8   </a:t>
             </a:r>
             <a:r>
-              <a:rPr lang="en-US" sz="2800" dirty="0" smtClean="0">
+              <a:rPr lang="en-US" sz="2800" dirty="0">
                 <a:latin typeface="Andalus" pitchFamily="18" charset="-78"/>
                 <a:cs typeface="Andalus" pitchFamily="18" charset="-78"/>
               </a:rPr>
@@ -3187,13 +3183,13 @@
           <a:lstStyle/>
           <a:p>
             <a:r>
-              <a:rPr lang="en-US" sz="2000" dirty="0" smtClean="0">
+              <a:rPr lang="en-US" sz="2000" dirty="0">
                 <a:latin typeface="Andalus" pitchFamily="18" charset="-78"/>
                 <a:cs typeface="Andalus" pitchFamily="18" charset="-78"/>
               </a:rPr>
               <a:t>P  Q  R   S   T   U  V  W  X  Y   Z   A    B    C    D   E   F    G   H    I     J   K   L   M  N  O</a:t>
             </a:r>
-            <a:endParaRPr lang="en-US" sz="2800" dirty="0" smtClean="0">
+            <a:endParaRPr lang="en-US" sz="2800" dirty="0">
               <a:latin typeface="Andalus" pitchFamily="18" charset="-78"/>
               <a:cs typeface="Andalus" pitchFamily="18" charset="-78"/>
             </a:endParaRPr>
@@ -3227,28 +3223,7 @@
                 <a:latin typeface="Symbol" pitchFamily="18" charset="2"/>
                 <a:cs typeface="Andalus" pitchFamily="18" charset="-78"/>
               </a:rPr>
-              <a:t>n </a:t>
-            </a:r>
-            <a:r>
-              <a:rPr lang="en-US" sz="2000" dirty="0" smtClean="0">
-                <a:latin typeface="Symbol" pitchFamily="18" charset="2"/>
-                <a:cs typeface="Andalus" pitchFamily="18" charset="-78"/>
-              </a:rPr>
-              <a:t> w  </a:t>
-            </a:r>
-            <a:r>
-              <a:rPr lang="en-US" sz="2000" dirty="0">
-                <a:latin typeface="Symbol" pitchFamily="18" charset="2"/>
-                <a:cs typeface="Andalus" pitchFamily="18" charset="-78"/>
-              </a:rPr>
-              <a:t>p </a:t>
-            </a:r>
-            <a:r>
-              <a:rPr lang="en-US" sz="2000" dirty="0" smtClean="0">
-                <a:latin typeface="Symbol" pitchFamily="18" charset="2"/>
-                <a:cs typeface="Andalus" pitchFamily="18" charset="-78"/>
-              </a:rPr>
-              <a:t> </a:t>
+              <a:t>n  w  p  </a:t>
             </a:r>
             <a:r>
               <a:rPr lang="en-US" sz="2000" dirty="0">
@@ -3262,79 +3237,44 @@
                 <a:latin typeface="Symbol" pitchFamily="18" charset="2"/>
                 <a:cs typeface="Andalus" pitchFamily="18" charset="-78"/>
               </a:rPr>
-              <a:t>r </a:t>
-            </a:r>
-            <a:r>
-              <a:rPr lang="en-US" sz="2000" dirty="0" smtClean="0">
-                <a:latin typeface="Symbol" pitchFamily="18" charset="2"/>
+              <a:t>r   s  t   </a:t>
+            </a:r>
+            <a:r>
+              <a:rPr lang="en-US" sz="2000" dirty="0">
                 <a:cs typeface="Andalus" pitchFamily="18" charset="-78"/>
               </a:rPr>
-              <a:t>  s  t   </a:t>
-            </a:r>
-            <a:r>
-              <a:rPr lang="en-US" sz="2000" dirty="0" smtClean="0">
+              <a:t>u   v   w   </a:t>
+            </a:r>
+            <a:r>
+              <a:rPr lang="en-US" sz="2000" dirty="0">
+                <a:latin typeface="Symbol" pitchFamily="18" charset="2"/>
                 <a:cs typeface="Andalus" pitchFamily="18" charset="-78"/>
               </a:rPr>
-              <a:t>u   v   w   </a:t>
-            </a:r>
-            <a:r>
-              <a:rPr lang="en-US" sz="2000" dirty="0" smtClean="0">
+              <a:t>c   u    z    a   b     x   d    e   j    g    h   </a:t>
+            </a:r>
+            <a:r>
+              <a:rPr lang="en-US" sz="2000" dirty="0" err="1">
                 <a:latin typeface="Symbol" pitchFamily="18" charset="2"/>
                 <a:cs typeface="Andalus" pitchFamily="18" charset="-78"/>
               </a:rPr>
-              <a:t>c   u    z    </a:t>
+              <a:t>i</a:t>
             </a:r>
             <a:r>
               <a:rPr lang="en-US" sz="2000" dirty="0">
                 <a:latin typeface="Symbol" pitchFamily="18" charset="2"/>
                 <a:cs typeface="Andalus" pitchFamily="18" charset="-78"/>
               </a:rPr>
-              <a:t>a   b  </a:t>
-            </a:r>
-            <a:r>
-              <a:rPr lang="en-US" sz="2000" dirty="0" smtClean="0">
-                <a:latin typeface="Symbol" pitchFamily="18" charset="2"/>
-                <a:cs typeface="Andalus" pitchFamily="18" charset="-78"/>
-              </a:rPr>
-              <a:t>   </a:t>
+              <a:t>    </a:t>
             </a:r>
             <a:r>
               <a:rPr lang="en-US" sz="2000" dirty="0">
-                <a:latin typeface="Symbol" pitchFamily="18" charset="2"/>
-                <a:cs typeface="Andalus" pitchFamily="18" charset="-78"/>
-              </a:rPr>
-              <a:t>x   d </a:t>
-            </a:r>
-            <a:r>
-              <a:rPr lang="en-US" sz="2000" dirty="0" smtClean="0">
-                <a:latin typeface="Symbol" pitchFamily="18" charset="2"/>
-                <a:cs typeface="Andalus" pitchFamily="18" charset="-78"/>
-              </a:rPr>
-              <a:t>   e   j    g    h   </a:t>
-            </a:r>
-            <a:r>
-              <a:rPr lang="en-US" sz="2000" dirty="0" err="1" smtClean="0">
-                <a:latin typeface="Symbol" pitchFamily="18" charset="2"/>
-                <a:cs typeface="Andalus" pitchFamily="18" charset="-78"/>
-              </a:rPr>
-              <a:t>i</a:t>
-            </a:r>
-            <a:r>
-              <a:rPr lang="en-US" sz="2000" dirty="0" smtClean="0">
-                <a:latin typeface="Symbol" pitchFamily="18" charset="2"/>
-                <a:cs typeface="Andalus" pitchFamily="18" charset="-78"/>
-              </a:rPr>
-              <a:t>    </a:t>
-            </a:r>
-            <a:r>
-              <a:rPr lang="en-US" sz="2000" dirty="0" smtClean="0">
                 <a:latin typeface="+mj-lt"/>
                 <a:cs typeface="Andalus" pitchFamily="18" charset="-78"/>
               </a:rPr>
               <a:t>j    </a:t>
             </a:r>
             <a:r>
-              <a:rPr lang="en-US" sz="2000" dirty="0" smtClean="0">
+              <a:rPr lang="en-US" sz="2000" dirty="0">
                 <a:latin typeface="Symbol" pitchFamily="18" charset="2"/>
                 <a:cs typeface="Andalus" pitchFamily="18" charset="-78"/>
               </a:rPr>
@@ -3365,7 +3305,7 @@
           <a:lstStyle/>
           <a:p>
             <a:r>
-              <a:rPr lang="en-US" dirty="0" smtClean="0">
+              <a:rPr lang="en-US" dirty="0">
                 <a:latin typeface="+mj-lt"/>
               </a:rPr>
               <a:t>All wingdings version</a:t>
@@ -3373,13 +3313,13 @@
           </a:p>
           <a:p>
             <a:r>
-              <a:rPr lang="en-US" dirty="0" smtClean="0">
+              <a:rPr lang="en-US" dirty="0">
                 <a:latin typeface="Wingdings" pitchFamily="2" charset="2"/>
               </a:rPr>
               <a:t>l[N 3pY SW[ l&gt;NRS </a:t>
             </a:r>
             <a:r>
-              <a:rPr lang="pl-PL" dirty="0" smtClean="0">
+              <a:rPr lang="pl-PL" dirty="0">
                 <a:latin typeface="Wingdings" pitchFamily="2" charset="2"/>
               </a:rPr>
               <a:t>l&gt;66 Shp x6z)3 W&gt;Sh xN[W)&gt;pR &gt;) 6[WpNvzRp</a:t>
@@ -3410,177 +3350,177 @@
           <a:lstStyle/>
           <a:p>
             <a:r>
-              <a:rPr lang="en-US" dirty="0" smtClean="0">
+              <a:rPr lang="en-US" dirty="0">
                 <a:latin typeface="+mj-lt"/>
               </a:rPr>
               <a:t>All symbol version</a:t>
             </a:r>
             <a:br>
-              <a:rPr lang="en-US" dirty="0" smtClean="0">
+              <a:rPr lang="en-US" dirty="0">
                 <a:latin typeface="+mj-lt"/>
               </a:rPr>
             </a:br>
             <a:r>
-              <a:rPr lang="en-US" dirty="0" err="1" smtClean="0">
+              <a:rPr lang="en-US" dirty="0" err="1">
                 <a:latin typeface="Symbol" pitchFamily="18" charset="2"/>
               </a:rPr>
               <a:t>dmp</a:t>
             </a:r>
             <a:r>
-              <a:rPr lang="en-US" dirty="0" smtClean="0">
+              <a:rPr lang="en-US" dirty="0">
                 <a:latin typeface="Symbol" pitchFamily="18" charset="2"/>
               </a:rPr>
               <a:t> </a:t>
             </a:r>
             <a:r>
-              <a:rPr lang="en-US" dirty="0" err="1" smtClean="0">
+              <a:rPr lang="en-US" dirty="0" err="1">
                 <a:latin typeface="Symbol" pitchFamily="18" charset="2"/>
               </a:rPr>
               <a:t>ix</a:t>
             </a:r>
             <a:r>
-              <a:rPr lang="en-US" dirty="0" err="1" smtClean="0"/>
+              <a:rPr lang="en-US" dirty="0" err="1"/>
               <a:t>w</a:t>
             </a:r>
             <a:r>
-              <a:rPr lang="en-US" dirty="0" smtClean="0">
+              <a:rPr lang="en-US" dirty="0">
                 <a:latin typeface="Symbol" pitchFamily="18" charset="2"/>
               </a:rPr>
               <a:t> r</a:t>
             </a:r>
             <a:r>
-              <a:rPr lang="en-US" dirty="0" smtClean="0"/>
+              <a:rPr lang="en-US" dirty="0"/>
               <a:t>u</a:t>
             </a:r>
             <a:r>
-              <a:rPr lang="en-US" dirty="0" smtClean="0">
+              <a:rPr lang="en-US" dirty="0">
                 <a:latin typeface="Symbol" pitchFamily="18" charset="2"/>
               </a:rPr>
               <a:t>m </a:t>
             </a:r>
             <a:r>
-              <a:rPr lang="en-US" dirty="0" err="1" smtClean="0">
+              <a:rPr lang="en-US" dirty="0" err="1">
                 <a:latin typeface="Symbol" pitchFamily="18" charset="2"/>
               </a:rPr>
               <a:t>dgp</a:t>
             </a:r>
             <a:r>
-              <a:rPr lang="en-US" dirty="0" err="1" smtClean="0"/>
+              <a:rPr lang="en-US" dirty="0" err="1"/>
               <a:t>q</a:t>
             </a:r>
             <a:r>
-              <a:rPr lang="en-US" dirty="0" err="1" smtClean="0">
+              <a:rPr lang="en-US" dirty="0" err="1">
                 <a:latin typeface="Symbol" pitchFamily="18" charset="2"/>
               </a:rPr>
               <a:t>r</a:t>
             </a:r>
             <a:r>
-              <a:rPr lang="en-US" dirty="0" smtClean="0">
+              <a:rPr lang="en-US" dirty="0">
                 <a:latin typeface="Symbol" pitchFamily="18" charset="2"/>
               </a:rPr>
               <a:t> </a:t>
             </a:r>
             <a:r>
-              <a:rPr lang="en-US" dirty="0" err="1" smtClean="0">
+              <a:rPr lang="en-US" dirty="0" err="1">
                 <a:latin typeface="Symbol" pitchFamily="18" charset="2"/>
               </a:rPr>
               <a:t>dg</a:t>
             </a:r>
             <a:r>
-              <a:rPr lang="en-US" dirty="0" err="1" smtClean="0"/>
+              <a:rPr lang="en-US" dirty="0" err="1"/>
               <a:t>jj</a:t>
             </a:r>
             <a:r>
-              <a:rPr lang="en-US" dirty="0" smtClean="0">
+              <a:rPr lang="en-US" dirty="0">
                 <a:latin typeface="Symbol" pitchFamily="18" charset="2"/>
               </a:rPr>
               <a:t> </a:t>
             </a:r>
             <a:r>
-              <a:rPr lang="en-US" dirty="0" err="1" smtClean="0">
+              <a:rPr lang="en-US" dirty="0" err="1">
                 <a:latin typeface="Symbol" pitchFamily="18" charset="2"/>
               </a:rPr>
               <a:t>rjx</a:t>
             </a:r>
             <a:r>
-              <a:rPr lang="en-US" dirty="0" smtClean="0">
+              <a:rPr lang="en-US" dirty="0">
                 <a:latin typeface="Symbol" pitchFamily="18" charset="2"/>
               </a:rPr>
               <a:t> </a:t>
             </a:r>
             <a:r>
-              <a:rPr lang="en-US" dirty="0" err="1" smtClean="0">
+              <a:rPr lang="en-US" dirty="0" err="1">
                 <a:latin typeface="Symbol" pitchFamily="18" charset="2"/>
               </a:rPr>
               <a:t>z</a:t>
             </a:r>
             <a:r>
-              <a:rPr lang="en-US" dirty="0" err="1" smtClean="0"/>
+              <a:rPr lang="en-US" dirty="0" err="1"/>
               <a:t>j</a:t>
             </a:r>
             <a:r>
-              <a:rPr lang="en-US" dirty="0" err="1" smtClean="0">
+              <a:rPr lang="en-US" dirty="0" err="1">
                 <a:latin typeface="Symbol" pitchFamily="18" charset="2"/>
               </a:rPr>
               <a:t>uli</a:t>
             </a:r>
             <a:r>
-              <a:rPr lang="en-US" dirty="0" smtClean="0">
+              <a:rPr lang="en-US" dirty="0">
                 <a:latin typeface="Symbol" pitchFamily="18" charset="2"/>
               </a:rPr>
               <a:t> </a:t>
             </a:r>
             <a:r>
-              <a:rPr lang="en-US" dirty="0" err="1" smtClean="0"/>
+              <a:rPr lang="en-US" dirty="0" err="1"/>
               <a:t>u</a:t>
             </a:r>
             <a:r>
-              <a:rPr lang="en-US" dirty="0" err="1" smtClean="0">
+              <a:rPr lang="en-US" dirty="0" err="1">
                 <a:latin typeface="Symbol" pitchFamily="18" charset="2"/>
               </a:rPr>
               <a:t>grj</a:t>
             </a:r>
             <a:r>
-              <a:rPr lang="en-US" dirty="0" smtClean="0">
+              <a:rPr lang="en-US" dirty="0">
                 <a:latin typeface="Symbol" pitchFamily="18" charset="2"/>
               </a:rPr>
               <a:t> </a:t>
             </a:r>
             <a:r>
-              <a:rPr lang="en-US" dirty="0" err="1" smtClean="0">
+              <a:rPr lang="en-US" dirty="0" err="1">
                 <a:latin typeface="Symbol" pitchFamily="18" charset="2"/>
               </a:rPr>
               <a:t>zpmulgxq</a:t>
             </a:r>
             <a:r>
-              <a:rPr lang="en-US" dirty="0" smtClean="0">
+              <a:rPr lang="en-US" dirty="0">
                 <a:latin typeface="Symbol" pitchFamily="18" charset="2"/>
               </a:rPr>
               <a:t> </a:t>
             </a:r>
             <a:r>
-              <a:rPr lang="en-US" dirty="0" err="1" smtClean="0">
+              <a:rPr lang="en-US" dirty="0" err="1">
                 <a:latin typeface="Symbol" pitchFamily="18" charset="2"/>
               </a:rPr>
               <a:t>gl</a:t>
             </a:r>
             <a:r>
-              <a:rPr lang="en-US" dirty="0" smtClean="0">
+              <a:rPr lang="en-US" dirty="0">
                 <a:latin typeface="Symbol" pitchFamily="18" charset="2"/>
               </a:rPr>
               <a:t> </a:t>
             </a:r>
             <a:r>
-              <a:rPr lang="en-US" dirty="0" err="1" smtClean="0"/>
+              <a:rPr lang="en-US" dirty="0" err="1"/>
               <a:t>j</a:t>
             </a:r>
             <a:r>
-              <a:rPr lang="en-US" dirty="0" err="1" smtClean="0">
+              <a:rPr lang="en-US" dirty="0" err="1">
                 <a:latin typeface="Symbol" pitchFamily="18" charset="2"/>
               </a:rPr>
               <a:t>muxpauqx</a:t>
             </a:r>
-            <a:endParaRPr lang="en-US" dirty="0" smtClean="0">
+            <a:endParaRPr lang="en-US" dirty="0">
               <a:latin typeface="Symbol" pitchFamily="18" charset="2"/>
             </a:endParaRPr>
           </a:p>
@@ -3613,64 +3553,43 @@
                 <a:latin typeface="+mj-lt"/>
                 <a:cs typeface="Andalus" pitchFamily="18" charset="-78"/>
               </a:rPr>
-              <a:t>n  </a:t>
-            </a:r>
-            <a:r>
-              <a:rPr lang="en-US" sz="2000" dirty="0" smtClean="0">
-                <a:latin typeface="+mj-lt"/>
+              <a:t>n  w  p   q    r    </a:t>
+            </a:r>
+            <a:r>
+              <a:rPr lang="en-US" sz="2000" dirty="0">
                 <a:cs typeface="Andalus" pitchFamily="18" charset="-78"/>
               </a:rPr>
-              <a:t>w  p   q    </a:t>
+              <a:t>s</a:t>
             </a:r>
             <a:r>
               <a:rPr lang="en-US" sz="2000" dirty="0">
                 <a:latin typeface="+mj-lt"/>
                 <a:cs typeface="Andalus" pitchFamily="18" charset="-78"/>
               </a:rPr>
-              <a:t>r   </a:t>
-            </a:r>
-            <a:r>
-              <a:rPr lang="en-US" sz="2000" dirty="0" smtClean="0">
+              <a:t>   </a:t>
+            </a:r>
+            <a:r>
+              <a:rPr lang="en-US" sz="2000" dirty="0">
+                <a:cs typeface="Andalus" pitchFamily="18" charset="-78"/>
+              </a:rPr>
+              <a:t>t    u   v   w   c    u     z     a    b     x   d    </a:t>
+            </a:r>
+            <a:r>
+              <a:rPr lang="en-US" sz="2000" dirty="0">
                 <a:latin typeface="+mj-lt"/>
                 <a:cs typeface="Andalus" pitchFamily="18" charset="-78"/>
               </a:rPr>
-              <a:t> </a:t>
-            </a:r>
-            <a:r>
-              <a:rPr lang="en-US" sz="2000" dirty="0" smtClean="0">
-                <a:cs typeface="Andalus" pitchFamily="18" charset="-78"/>
-              </a:rPr>
-              <a:t>s</a:t>
-            </a:r>
-            <a:r>
-              <a:rPr lang="en-US" sz="2000" dirty="0" smtClean="0">
+              <a:t>e     j     g     h   </a:t>
+            </a:r>
+            <a:r>
+              <a:rPr lang="en-US" sz="2000" dirty="0" err="1">
                 <a:latin typeface="+mj-lt"/>
                 <a:cs typeface="Andalus" pitchFamily="18" charset="-78"/>
               </a:rPr>
-              <a:t>   </a:t>
-            </a:r>
-            <a:r>
-              <a:rPr lang="en-US" sz="2000" dirty="0" smtClean="0">
-                <a:cs typeface="Andalus" pitchFamily="18" charset="-78"/>
-              </a:rPr>
-              <a:t>t    u   v   w   c    u     z     a    b     x   d    </a:t>
-            </a:r>
-            <a:r>
-              <a:rPr lang="en-US" sz="2000" dirty="0" smtClean="0">
-                <a:latin typeface="+mj-lt"/>
-                <a:cs typeface="Andalus" pitchFamily="18" charset="-78"/>
-              </a:rPr>
-              <a:t>e     j     g     h   </a:t>
-            </a:r>
-            <a:r>
-              <a:rPr lang="en-US" sz="2000" dirty="0" err="1" smtClean="0">
-                <a:latin typeface="+mj-lt"/>
-                <a:cs typeface="Andalus" pitchFamily="18" charset="-78"/>
-              </a:rPr>
               <a:t>i</a:t>
             </a:r>
             <a:r>
-              <a:rPr lang="en-US" sz="2000" dirty="0" smtClean="0">
+              <a:rPr lang="en-US" sz="2000" dirty="0">
                 <a:latin typeface="+mj-lt"/>
                 <a:cs typeface="Andalus" pitchFamily="18" charset="-78"/>
               </a:rPr>
@@ -3702,7 +3621,7 @@
           <a:lstStyle/>
           <a:p>
             <a:r>
-              <a:rPr lang="en-US" dirty="0" smtClean="0">
+              <a:rPr lang="en-US" dirty="0">
                 <a:latin typeface="+mj-lt"/>
               </a:rPr>
               <a:t>Combined version</a:t>
@@ -3710,141 +3629,141 @@
           </a:p>
           <a:p>
             <a:r>
-              <a:rPr lang="en-US" dirty="0" smtClean="0">
+              <a:rPr lang="en-US" dirty="0">
                 <a:latin typeface="Wingdings" pitchFamily="2" charset="2"/>
               </a:rPr>
               <a:t>l[N </a:t>
             </a:r>
             <a:r>
-              <a:rPr lang="en-US" dirty="0" err="1" smtClean="0">
+              <a:rPr lang="en-US" dirty="0" err="1">
                 <a:latin typeface="Symbol" pitchFamily="18" charset="2"/>
               </a:rPr>
               <a:t>ix</a:t>
             </a:r>
             <a:r>
-              <a:rPr lang="en-US" dirty="0" err="1" smtClean="0"/>
+              <a:rPr lang="en-US" dirty="0" err="1"/>
               <a:t>w</a:t>
             </a:r>
             <a:r>
-              <a:rPr lang="en-US" dirty="0" smtClean="0">
+              <a:rPr lang="en-US" dirty="0">
                 <a:latin typeface="Symbol" pitchFamily="18" charset="2"/>
               </a:rPr>
               <a:t>  </a:t>
             </a:r>
             <a:r>
-              <a:rPr lang="en-US" dirty="0" smtClean="0">
+              <a:rPr lang="en-US" dirty="0">
                 <a:latin typeface="Wingdings" pitchFamily="2" charset="2"/>
               </a:rPr>
               <a:t>SW[ </a:t>
             </a:r>
             <a:r>
-              <a:rPr lang="en-US" dirty="0" err="1" smtClean="0">
+              <a:rPr lang="en-US" dirty="0" err="1">
                 <a:latin typeface="Symbol" pitchFamily="18" charset="2"/>
               </a:rPr>
               <a:t>dgp</a:t>
             </a:r>
             <a:r>
-              <a:rPr lang="en-US" dirty="0" err="1" smtClean="0"/>
+              <a:rPr lang="en-US" dirty="0" err="1"/>
               <a:t>q</a:t>
             </a:r>
             <a:r>
-              <a:rPr lang="en-US" dirty="0" err="1" smtClean="0">
+              <a:rPr lang="en-US" dirty="0" err="1">
                 <a:latin typeface="Symbol" pitchFamily="18" charset="2"/>
               </a:rPr>
               <a:t>r</a:t>
             </a:r>
             <a:r>
-              <a:rPr lang="en-US" dirty="0" smtClean="0">
+              <a:rPr lang="en-US" dirty="0">
                 <a:latin typeface="Symbol" pitchFamily="18" charset="2"/>
               </a:rPr>
               <a:t>   </a:t>
             </a:r>
             <a:r>
-              <a:rPr lang="pl-PL" dirty="0" smtClean="0">
+              <a:rPr lang="pl-PL" dirty="0">
                 <a:latin typeface="Wingdings" pitchFamily="2" charset="2"/>
               </a:rPr>
               <a:t>l&gt;66</a:t>
             </a:r>
             <a:r>
-              <a:rPr lang="en-US" dirty="0" smtClean="0">
+              <a:rPr lang="en-US" dirty="0">
                 <a:latin typeface="Wingdings" pitchFamily="2" charset="2"/>
               </a:rPr>
               <a:t> </a:t>
             </a:r>
             <a:r>
-              <a:rPr lang="en-US" dirty="0" err="1" smtClean="0">
+              <a:rPr lang="en-US" dirty="0" err="1">
                 <a:latin typeface="Symbol" pitchFamily="18" charset="2"/>
               </a:rPr>
               <a:t>rjx</a:t>
             </a:r>
             <a:r>
-              <a:rPr lang="en-US" dirty="0" smtClean="0">
+              <a:rPr lang="en-US" dirty="0">
                 <a:latin typeface="Symbol" pitchFamily="18" charset="2"/>
               </a:rPr>
               <a:t>   </a:t>
             </a:r>
             <a:r>
-              <a:rPr lang="pl-PL" dirty="0" smtClean="0">
+              <a:rPr lang="pl-PL" dirty="0">
                 <a:latin typeface="Wingdings" pitchFamily="2" charset="2"/>
               </a:rPr>
               <a:t>x6z)3</a:t>
             </a:r>
             <a:r>
-              <a:rPr lang="en-US" dirty="0" smtClean="0">
+              <a:rPr lang="en-US" dirty="0">
                 <a:latin typeface="Wingdings" pitchFamily="2" charset="2"/>
               </a:rPr>
               <a:t> </a:t>
             </a:r>
             <a:r>
-              <a:rPr lang="en-US" dirty="0" err="1" smtClean="0">
+              <a:rPr lang="en-US" dirty="0" err="1">
                 <a:latin typeface="Symbol" pitchFamily="18" charset="2"/>
               </a:rPr>
               <a:t>ugrj</a:t>
             </a:r>
             <a:r>
-              <a:rPr lang="en-US" dirty="0" smtClean="0">
+              <a:rPr lang="en-US" dirty="0">
                 <a:latin typeface="Symbol" pitchFamily="18" charset="2"/>
               </a:rPr>
               <a:t>     </a:t>
             </a:r>
             <a:r>
-              <a:rPr lang="pl-PL" dirty="0" smtClean="0">
+              <a:rPr lang="pl-PL" dirty="0">
                 <a:latin typeface="Wingdings" pitchFamily="2" charset="2"/>
               </a:rPr>
               <a:t>xN[W)&gt;pR</a:t>
             </a:r>
             <a:r>
-              <a:rPr lang="en-US" dirty="0" smtClean="0">
+              <a:rPr lang="en-US" dirty="0">
                 <a:latin typeface="Wingdings" pitchFamily="2" charset="2"/>
               </a:rPr>
               <a:t> </a:t>
             </a:r>
             <a:r>
-              <a:rPr lang="en-US" dirty="0" err="1" smtClean="0">
+              <a:rPr lang="en-US" dirty="0" err="1">
                 <a:latin typeface="Symbol" pitchFamily="18" charset="2"/>
               </a:rPr>
               <a:t>gl</a:t>
             </a:r>
             <a:r>
-              <a:rPr lang="en-US" dirty="0" smtClean="0">
+              <a:rPr lang="en-US" dirty="0">
                 <a:latin typeface="Symbol" pitchFamily="18" charset="2"/>
               </a:rPr>
               <a:t>   </a:t>
             </a:r>
             <a:r>
-              <a:rPr lang="pl-PL" dirty="0" smtClean="0">
+              <a:rPr lang="pl-PL" dirty="0">
                 <a:latin typeface="Wingdings" pitchFamily="2" charset="2"/>
               </a:rPr>
               <a:t>6[WpNvzRp</a:t>
             </a:r>
             <a:r>
-              <a:rPr lang="en-US" dirty="0" smtClean="0">
+              <a:rPr lang="en-US" dirty="0">
                 <a:latin typeface="Symbol" pitchFamily="18" charset="2"/>
                 <a:cs typeface="Andalus" pitchFamily="18" charset="-78"/>
               </a:rPr>
               <a:t>  </a:t>
             </a:r>
-            <a:endParaRPr lang="en-US" dirty="0" smtClean="0">
+            <a:endParaRPr lang="en-US" dirty="0">
               <a:latin typeface="+mj-lt"/>
             </a:endParaRPr>
           </a:p>
@@ -3873,52 +3792,52 @@
           <a:lstStyle/>
           <a:p>
             <a:r>
-              <a:rPr lang="en-US" sz="2400" dirty="0" smtClean="0"/>
+              <a:rPr lang="en-US" sz="2400" dirty="0"/>
               <a:t>Wingding wheel and keyboard chars (rows 1,2), Caesar cipher setting (3), symbol/</a:t>
             </a:r>
             <a:r>
-              <a:rPr lang="en-US" sz="2400" dirty="0" err="1" smtClean="0"/>
+              <a:rPr lang="en-US" sz="2400" dirty="0" err="1"/>
               <a:t>Calabri</a:t>
             </a:r>
             <a:r>
-              <a:rPr lang="en-US" sz="2400" dirty="0" smtClean="0"/>
+              <a:rPr lang="en-US" sz="2400" dirty="0"/>
               <a:t> keyboard chars and wheel (rows 4,5)</a:t>
             </a:r>
             <a:br>
-              <a:rPr lang="en-US" sz="2400" dirty="0" smtClean="0"/>
+              <a:rPr lang="en-US" sz="2400" dirty="0"/>
             </a:br>
             <a:r>
-              <a:rPr lang="en-US" sz="2400" dirty="0" smtClean="0"/>
+              <a:rPr lang="en-US" sz="2400" dirty="0"/>
               <a:t>Switch these symbols to </a:t>
             </a:r>
             <a:r>
-              <a:rPr lang="en-US" sz="2400" dirty="0" err="1" smtClean="0"/>
+              <a:rPr lang="en-US" sz="2400" dirty="0" err="1"/>
               <a:t>Calabri</a:t>
             </a:r>
             <a:r>
-              <a:rPr lang="en-US" sz="2400" dirty="0" smtClean="0"/>
+              <a:rPr lang="en-US" sz="2400" dirty="0"/>
               <a:t>: </a:t>
             </a:r>
             <a:r>
-              <a:rPr lang="en-US" sz="1800" dirty="0" smtClean="0">
+              <a:rPr lang="en-US" sz="1800" dirty="0">
                 <a:latin typeface="Symbol" pitchFamily="18" charset="2"/>
               </a:rPr>
               <a:t>u (</a:t>
             </a:r>
             <a:r>
-              <a:rPr lang="en-US" sz="1800" dirty="0" smtClean="0">
+              <a:rPr lang="en-US" sz="1800" dirty="0">
                 <a:latin typeface="+mn-lt"/>
               </a:rPr>
               <a:t>for w) </a:t>
             </a:r>
             <a:r>
-              <a:rPr lang="en-US" sz="2000" dirty="0" smtClean="0">
+              <a:rPr lang="en-US" sz="2000" dirty="0">
                 <a:latin typeface="Symbol" pitchFamily="18" charset="2"/>
               </a:rPr>
               <a:t>q v j</a:t>
             </a:r>
             <a:r>
-              <a:rPr lang="en-US" sz="2000" dirty="0" smtClean="0">
+              <a:rPr lang="en-US" sz="2000" dirty="0">
                 <a:latin typeface="+mn-lt"/>
               </a:rPr>
               <a:t>-&gt;only those for “l”</a:t>
@@ -3949,13 +3868,13 @@
           <a:lstStyle/>
           <a:p>
             <a:r>
-              <a:rPr lang="en-US" dirty="0" smtClean="0"/>
+              <a:rPr lang="en-US" dirty="0"/>
               <a:t>Plain text of “for key two first fill the blank with brownies in lowercase”</a:t>
             </a:r>
             <a:br>
-              <a:rPr lang="en-US" dirty="0" smtClean="0"/>
+              <a:rPr lang="en-US" dirty="0"/>
             </a:br>
-            <a:endParaRPr lang="en-US" dirty="0" smtClean="0"/>
+            <a:endParaRPr lang="en-US" dirty="0"/>
           </a:p>
         </p:txBody>
       </p:sp>
@@ -3964,13 +3883,6 @@
   <p:clrMapOvr>
     <a:masterClrMapping/>
   </p:clrMapOvr>
-  <p:timing>
-    <p:tnLst>
-      <p:par>
-        <p:cTn id="1" dur="indefinite" restart="never" nodeType="tmRoot"/>
-      </p:par>
-    </p:tnLst>
-  </p:timing>
 </p:sld>
 </file>
 
@@ -4014,157 +3926,157 @@
           <a:lstStyle/>
           <a:p>
             <a:r>
-              <a:rPr lang="en-US" sz="2800" dirty="0" smtClean="0">
+              <a:rPr lang="en-US" sz="2800" dirty="0">
                 <a:latin typeface="Wingdings" pitchFamily="2" charset="2"/>
               </a:rPr>
               <a:t>l[N </a:t>
             </a:r>
             <a:r>
-              <a:rPr lang="en-US" sz="2800" dirty="0" err="1" smtClean="0">
+              <a:rPr lang="en-US" sz="2800" dirty="0" err="1">
                 <a:latin typeface="Symbol" pitchFamily="18" charset="2"/>
               </a:rPr>
               <a:t>ix</a:t>
             </a:r>
             <a:r>
-              <a:rPr lang="en-US" sz="2800" dirty="0" err="1" smtClean="0"/>
+              <a:rPr lang="en-US" sz="2800" dirty="0" err="1"/>
               <a:t>w</a:t>
             </a:r>
             <a:r>
-              <a:rPr lang="en-US" sz="2800" dirty="0" smtClean="0">
+              <a:rPr lang="en-US" sz="2800" dirty="0">
                 <a:latin typeface="Symbol" pitchFamily="18" charset="2"/>
               </a:rPr>
               <a:t>   </a:t>
             </a:r>
             <a:r>
-              <a:rPr lang="en-US" sz="2800" dirty="0" smtClean="0">
+              <a:rPr lang="en-US" sz="2800" dirty="0">
                 <a:latin typeface="Wingdings" pitchFamily="2" charset="2"/>
               </a:rPr>
               <a:t>SW[ </a:t>
             </a:r>
             <a:r>
-              <a:rPr lang="en-US" sz="2800" dirty="0" err="1" smtClean="0">
+              <a:rPr lang="en-US" sz="2800" dirty="0" err="1">
                 <a:latin typeface="Symbol" pitchFamily="18" charset="2"/>
               </a:rPr>
               <a:t>dgp</a:t>
             </a:r>
             <a:r>
-              <a:rPr lang="en-US" sz="2800" dirty="0" err="1" smtClean="0"/>
+              <a:rPr lang="en-US" sz="2800" dirty="0" err="1"/>
               <a:t>q</a:t>
             </a:r>
             <a:r>
-              <a:rPr lang="en-US" sz="2800" dirty="0" err="1" smtClean="0">
+              <a:rPr lang="en-US" sz="2800" dirty="0" err="1">
                 <a:latin typeface="Symbol" pitchFamily="18" charset="2"/>
               </a:rPr>
               <a:t>r</a:t>
             </a:r>
-            <a:endParaRPr lang="en-US" sz="2800" dirty="0" smtClean="0">
+            <a:endParaRPr lang="en-US" sz="2800" dirty="0">
               <a:latin typeface="Symbol" pitchFamily="18" charset="2"/>
             </a:endParaRPr>
           </a:p>
           <a:p>
-            <a:endParaRPr lang="en-US" sz="2800" dirty="0" smtClean="0">
+            <a:endParaRPr lang="en-US" sz="2800" dirty="0">
               <a:latin typeface="Symbol" pitchFamily="18" charset="2"/>
             </a:endParaRPr>
           </a:p>
           <a:p>
             <a:r>
-              <a:rPr lang="pl-PL" sz="2800" dirty="0" smtClean="0">
+              <a:rPr lang="pl-PL" sz="2800" dirty="0">
                 <a:latin typeface="Wingdings" pitchFamily="2" charset="2"/>
               </a:rPr>
               <a:t>l&gt;66</a:t>
             </a:r>
             <a:r>
-              <a:rPr lang="en-US" sz="2800" dirty="0" smtClean="0">
+              <a:rPr lang="en-US" sz="2800" dirty="0">
                 <a:latin typeface="Wingdings" pitchFamily="2" charset="2"/>
               </a:rPr>
               <a:t> </a:t>
             </a:r>
             <a:r>
-              <a:rPr lang="en-US" sz="2800" dirty="0" err="1" smtClean="0">
+              <a:rPr lang="en-US" sz="2800" dirty="0" err="1">
                 <a:latin typeface="Symbol" pitchFamily="18" charset="2"/>
               </a:rPr>
               <a:t>rjx</a:t>
             </a:r>
             <a:r>
-              <a:rPr lang="en-US" sz="2800" dirty="0" smtClean="0">
+              <a:rPr lang="en-US" sz="2800" dirty="0">
                 <a:latin typeface="Symbol" pitchFamily="18" charset="2"/>
               </a:rPr>
               <a:t>   </a:t>
             </a:r>
             <a:r>
-              <a:rPr lang="pl-PL" sz="2800" dirty="0" smtClean="0">
+              <a:rPr lang="pl-PL" sz="2800" dirty="0">
                 <a:latin typeface="Wingdings" pitchFamily="2" charset="2"/>
               </a:rPr>
               <a:t>x6z)3</a:t>
             </a:r>
-            <a:endParaRPr lang="en-US" sz="2800" dirty="0" smtClean="0">
+            <a:endParaRPr lang="en-US" sz="2800" dirty="0">
               <a:latin typeface="Wingdings" pitchFamily="2" charset="2"/>
             </a:endParaRPr>
           </a:p>
           <a:p>
-            <a:endParaRPr lang="en-US" sz="2800" dirty="0" smtClean="0">
+            <a:endParaRPr lang="en-US" sz="2800" dirty="0">
               <a:latin typeface="Symbol" pitchFamily="18" charset="2"/>
             </a:endParaRPr>
           </a:p>
           <a:p>
             <a:r>
-              <a:rPr lang="en-US" sz="2800" dirty="0" err="1" smtClean="0"/>
+              <a:rPr lang="en-US" sz="2800" dirty="0" err="1"/>
               <a:t>u</a:t>
             </a:r>
             <a:r>
-              <a:rPr lang="en-US" sz="2800" dirty="0" err="1" smtClean="0">
+              <a:rPr lang="en-US" sz="2800" dirty="0" err="1">
                 <a:latin typeface="Symbol" pitchFamily="18" charset="2"/>
               </a:rPr>
               <a:t>grj</a:t>
             </a:r>
             <a:r>
-              <a:rPr lang="en-US" sz="2800" dirty="0" smtClean="0">
+              <a:rPr lang="en-US" sz="2800" dirty="0">
                 <a:latin typeface="Symbol" pitchFamily="18" charset="2"/>
               </a:rPr>
               <a:t>  </a:t>
             </a:r>
             <a:r>
-              <a:rPr lang="pl-PL" sz="2800" dirty="0" smtClean="0">
+              <a:rPr lang="pl-PL" sz="2800" dirty="0">
                 <a:latin typeface="Wingdings" pitchFamily="2" charset="2"/>
               </a:rPr>
               <a:t>xN[W)&gt;pR</a:t>
             </a:r>
-            <a:endParaRPr lang="en-US" sz="2800" dirty="0" smtClean="0">
+            <a:endParaRPr lang="en-US" sz="2800" dirty="0">
               <a:latin typeface="Wingdings" pitchFamily="2" charset="2"/>
             </a:endParaRPr>
           </a:p>
           <a:p>
-            <a:endParaRPr lang="en-US" sz="2800" dirty="0" smtClean="0">
+            <a:endParaRPr lang="en-US" sz="2800" dirty="0">
               <a:latin typeface="Symbol" pitchFamily="18" charset="2"/>
             </a:endParaRPr>
           </a:p>
           <a:p>
             <a:r>
-              <a:rPr lang="en-US" sz="2800" dirty="0" err="1" smtClean="0">
+              <a:rPr lang="en-US" sz="2800" dirty="0" err="1">
                 <a:latin typeface="Symbol" pitchFamily="18" charset="2"/>
               </a:rPr>
               <a:t>gl</a:t>
             </a:r>
             <a:r>
-              <a:rPr lang="en-US" sz="2800" dirty="0" smtClean="0">
+              <a:rPr lang="en-US" sz="2800" dirty="0">
                 <a:latin typeface="Symbol" pitchFamily="18" charset="2"/>
               </a:rPr>
               <a:t>   </a:t>
             </a:r>
             <a:r>
-              <a:rPr lang="pl-PL" sz="2800" dirty="0" smtClean="0">
+              <a:rPr lang="pl-PL" sz="2800" dirty="0">
                 <a:latin typeface="Wingdings" pitchFamily="2" charset="2"/>
               </a:rPr>
               <a:t>6[WpNvzRp</a:t>
             </a:r>
             <a:r>
-              <a:rPr lang="en-US" sz="2800" dirty="0" smtClean="0">
+              <a:rPr lang="en-US" sz="2800" dirty="0">
                 <a:latin typeface="Symbol" pitchFamily="18" charset="2"/>
                 <a:cs typeface="Andalus" pitchFamily="18" charset="-78"/>
               </a:rPr>
               <a:t>  </a:t>
             </a:r>
-            <a:endParaRPr lang="en-US" sz="2800" dirty="0" smtClean="0">
+            <a:endParaRPr lang="en-US" sz="2800" dirty="0">
               <a:latin typeface="+mj-lt"/>
             </a:endParaRPr>
           </a:p>
@@ -4175,13 +4087,149 @@
   <p:clrMapOvr>
     <a:masterClrMapping/>
   </p:clrMapOvr>
-  <p:timing>
-    <p:tnLst>
-      <p:par>
-        <p:cTn id="1" dur="indefinite" restart="never" nodeType="tmRoot"/>
-      </p:par>
-    </p:tnLst>
-  </p:timing>
+</p:sld>
+</file>
+
+<file path=ppt/slides/slide3.xml><?xml version="1.0" encoding="utf-8"?>
+<p:sld xmlns:a="http://schemas.openxmlformats.org/drawingml/2006/main" xmlns:r="http://schemas.openxmlformats.org/officeDocument/2006/relationships" xmlns:p="http://schemas.openxmlformats.org/presentationml/2006/main">
+  <p:cSld>
+    <p:spTree>
+      <p:nvGrpSpPr>
+        <p:cNvPr id="1" name=""/>
+        <p:cNvGrpSpPr/>
+        <p:nvPr/>
+      </p:nvGrpSpPr>
+      <p:grpSpPr>
+        <a:xfrm>
+          <a:off x="0" y="0"/>
+          <a:ext cx="0" cy="0"/>
+          <a:chOff x="0" y="0"/>
+          <a:chExt cx="0" cy="0"/>
+        </a:xfrm>
+      </p:grpSpPr>
+      <p:sp>
+        <p:nvSpPr>
+          <p:cNvPr id="3" name="TextBox 2">
+            <a:extLst>
+              <a:ext uri="{FF2B5EF4-FFF2-40B4-BE49-F238E27FC236}">
+                <a16:creationId xmlns:a16="http://schemas.microsoft.com/office/drawing/2014/main" id="{8B318C52-975C-AEB6-5BC3-B17118BC1E2A}"/>
+              </a:ext>
+            </a:extLst>
+          </p:cNvPr>
+          <p:cNvSpPr txBox="1"/>
+          <p:nvPr/>
+        </p:nvSpPr>
+        <p:spPr>
+          <a:xfrm>
+            <a:off x="762000" y="685800"/>
+            <a:ext cx="4572000" cy="2246769"/>
+          </a:xfrm>
+          <a:prstGeom prst="rect">
+            <a:avLst/>
+          </a:prstGeom>
+          <a:noFill/>
+        </p:spPr>
+        <p:txBody>
+          <a:bodyPr wrap="square">
+            <a:spAutoFit/>
+          </a:bodyPr>
+          <a:lstStyle/>
+          <a:p>
+            <a:r>
+              <a:rPr lang="pl-PL" sz="2800">
+                <a:latin typeface="Wingdings" pitchFamily="2" charset="2"/>
+              </a:rPr>
+              <a:t>l&gt;66</a:t>
+            </a:r>
+            <a:r>
+              <a:rPr lang="en-US" sz="2800">
+                <a:latin typeface="Wingdings" pitchFamily="2" charset="2"/>
+              </a:rPr>
+              <a:t> </a:t>
+            </a:r>
+            <a:r>
+              <a:rPr lang="en-US" sz="2800">
+                <a:latin typeface="Symbol" pitchFamily="18" charset="2"/>
+              </a:rPr>
+              <a:t>rjx   </a:t>
+            </a:r>
+            <a:r>
+              <a:rPr lang="pl-PL" sz="2800">
+                <a:latin typeface="Wingdings" pitchFamily="2" charset="2"/>
+              </a:rPr>
+              <a:t>x6z)3</a:t>
+            </a:r>
+            <a:endParaRPr lang="en-US" sz="2800">
+              <a:latin typeface="Wingdings" pitchFamily="2" charset="2"/>
+            </a:endParaRPr>
+          </a:p>
+          <a:p>
+            <a:endParaRPr lang="en-US" sz="2800">
+              <a:latin typeface="Symbol" pitchFamily="18" charset="2"/>
+            </a:endParaRPr>
+          </a:p>
+          <a:p>
+            <a:r>
+              <a:rPr lang="en-US" sz="2800"/>
+              <a:t>u</a:t>
+            </a:r>
+            <a:r>
+              <a:rPr lang="en-US" sz="2800">
+                <a:latin typeface="Symbol" pitchFamily="18" charset="2"/>
+              </a:rPr>
+              <a:t>grj  </a:t>
+            </a:r>
+            <a:r>
+              <a:rPr lang="pl-PL" sz="2800">
+                <a:latin typeface="Wingdings" pitchFamily="2" charset="2"/>
+              </a:rPr>
+              <a:t>xN[W)&gt;pR</a:t>
+            </a:r>
+            <a:endParaRPr lang="en-US" sz="2800">
+              <a:latin typeface="Wingdings" pitchFamily="2" charset="2"/>
+            </a:endParaRPr>
+          </a:p>
+          <a:p>
+            <a:endParaRPr lang="en-US" sz="2800">
+              <a:latin typeface="Symbol" pitchFamily="18" charset="2"/>
+            </a:endParaRPr>
+          </a:p>
+          <a:p>
+            <a:r>
+              <a:rPr lang="en-US" sz="2800">
+                <a:latin typeface="Symbol" pitchFamily="18" charset="2"/>
+              </a:rPr>
+              <a:t>gl   </a:t>
+            </a:r>
+            <a:r>
+              <a:rPr lang="pl-PL" sz="2800">
+                <a:latin typeface="Wingdings" pitchFamily="2" charset="2"/>
+              </a:rPr>
+              <a:t>6[WpNvzRp</a:t>
+            </a:r>
+            <a:r>
+              <a:rPr lang="en-US" sz="2800">
+                <a:latin typeface="Symbol" pitchFamily="18" charset="2"/>
+                <a:cs typeface="Andalus" pitchFamily="18" charset="-78"/>
+              </a:rPr>
+              <a:t>  </a:t>
+            </a:r>
+            <a:endParaRPr lang="en-US" sz="2800" dirty="0">
+              <a:latin typeface="+mj-lt"/>
+            </a:endParaRPr>
+          </a:p>
+        </p:txBody>
+      </p:sp>
+    </p:spTree>
+    <p:extLst>
+      <p:ext uri="{BB962C8B-B14F-4D97-AF65-F5344CB8AC3E}">
+        <p14:creationId xmlns:p14="http://schemas.microsoft.com/office/powerpoint/2010/main" val="3521288297"/>
+      </p:ext>
+    </p:extLst>
+  </p:cSld>
+  <p:clrMapOvr>
+    <a:masterClrMapping/>
+  </p:clrMapOvr>
 </p:sld>
 </file>
 
